--- a/Derivative Control.pptx
+++ b/Derivative Control.pptx
@@ -17,6 +17,7 @@
     <p:sldId id="265" r:id="rId11"/>
     <p:sldId id="266" r:id="rId12"/>
     <p:sldId id="267" r:id="rId13"/>
+    <p:sldId id="268" r:id="rId14"/>
   </p:sldIdLst>
   <p:sldSz cx="9144000" cy="6858000" type="screen4x3"/>
   <p:notesSz cx="6858000" cy="9144000"/>
@@ -293,7 +294,7 @@
               <a:rPr lang="en-US" smtClean="0"/>
               <a:t>10/21/2016</a:t>
             </a:fld>
-            <a:endParaRPr lang="en-US"/>
+            <a:endParaRPr lang="en-US" dirty="0"/>
           </a:p>
         </p:txBody>
       </p:sp>
@@ -312,7 +313,7 @@
           <a:bodyPr/>
           <a:lstStyle/>
           <a:p>
-            <a:endParaRPr lang="en-US"/>
+            <a:endParaRPr lang="en-US" dirty="0"/>
           </a:p>
         </p:txBody>
       </p:sp>
@@ -335,7 +336,7 @@
               <a:rPr lang="en-US" smtClean="0"/>
               <a:t>‹#›</a:t>
             </a:fld>
-            <a:endParaRPr lang="en-US"/>
+            <a:endParaRPr lang="en-US" dirty="0"/>
           </a:p>
         </p:txBody>
       </p:sp>
@@ -458,7 +459,7 @@
               <a:rPr lang="en-US" smtClean="0"/>
               <a:t>10/21/2016</a:t>
             </a:fld>
-            <a:endParaRPr lang="en-US"/>
+            <a:endParaRPr lang="en-US" dirty="0"/>
           </a:p>
         </p:txBody>
       </p:sp>
@@ -477,7 +478,7 @@
           <a:bodyPr/>
           <a:lstStyle/>
           <a:p>
-            <a:endParaRPr lang="en-US"/>
+            <a:endParaRPr lang="en-US" dirty="0"/>
           </a:p>
         </p:txBody>
       </p:sp>
@@ -500,7 +501,7 @@
               <a:rPr lang="en-US" smtClean="0"/>
               <a:t>‹#›</a:t>
             </a:fld>
-            <a:endParaRPr lang="en-US"/>
+            <a:endParaRPr lang="en-US" dirty="0"/>
           </a:p>
         </p:txBody>
       </p:sp>
@@ -633,7 +634,7 @@
               <a:rPr lang="en-US" smtClean="0"/>
               <a:t>10/21/2016</a:t>
             </a:fld>
-            <a:endParaRPr lang="en-US"/>
+            <a:endParaRPr lang="en-US" dirty="0"/>
           </a:p>
         </p:txBody>
       </p:sp>
@@ -652,7 +653,7 @@
           <a:bodyPr/>
           <a:lstStyle/>
           <a:p>
-            <a:endParaRPr lang="en-US"/>
+            <a:endParaRPr lang="en-US" dirty="0"/>
           </a:p>
         </p:txBody>
       </p:sp>
@@ -675,7 +676,7 @@
               <a:rPr lang="en-US" smtClean="0"/>
               <a:t>‹#›</a:t>
             </a:fld>
-            <a:endParaRPr lang="en-US"/>
+            <a:endParaRPr lang="en-US" dirty="0"/>
           </a:p>
         </p:txBody>
       </p:sp>
@@ -798,7 +799,7 @@
               <a:rPr lang="en-US" smtClean="0"/>
               <a:t>10/21/2016</a:t>
             </a:fld>
-            <a:endParaRPr lang="en-US"/>
+            <a:endParaRPr lang="en-US" dirty="0"/>
           </a:p>
         </p:txBody>
       </p:sp>
@@ -817,7 +818,7 @@
           <a:bodyPr/>
           <a:lstStyle/>
           <a:p>
-            <a:endParaRPr lang="en-US"/>
+            <a:endParaRPr lang="en-US" dirty="0"/>
           </a:p>
         </p:txBody>
       </p:sp>
@@ -840,7 +841,7 @@
               <a:rPr lang="en-US" smtClean="0"/>
               <a:t>‹#›</a:t>
             </a:fld>
-            <a:endParaRPr lang="en-US"/>
+            <a:endParaRPr lang="en-US" dirty="0"/>
           </a:p>
         </p:txBody>
       </p:sp>
@@ -1040,7 +1041,7 @@
               <a:rPr lang="en-US" smtClean="0"/>
               <a:t>10/21/2016</a:t>
             </a:fld>
-            <a:endParaRPr lang="en-US"/>
+            <a:endParaRPr lang="en-US" dirty="0"/>
           </a:p>
         </p:txBody>
       </p:sp>
@@ -1059,7 +1060,7 @@
           <a:bodyPr/>
           <a:lstStyle/>
           <a:p>
-            <a:endParaRPr lang="en-US"/>
+            <a:endParaRPr lang="en-US" dirty="0"/>
           </a:p>
         </p:txBody>
       </p:sp>
@@ -1082,7 +1083,7 @@
               <a:rPr lang="en-US" smtClean="0"/>
               <a:t>‹#›</a:t>
             </a:fld>
-            <a:endParaRPr lang="en-US"/>
+            <a:endParaRPr lang="en-US" dirty="0"/>
           </a:p>
         </p:txBody>
       </p:sp>
@@ -1304,7 +1305,7 @@
               <a:rPr lang="en-US" smtClean="0"/>
               <a:t>10/21/2016</a:t>
             </a:fld>
-            <a:endParaRPr lang="en-US"/>
+            <a:endParaRPr lang="en-US" dirty="0"/>
           </a:p>
         </p:txBody>
       </p:sp>
@@ -1323,7 +1324,7 @@
           <a:bodyPr/>
           <a:lstStyle/>
           <a:p>
-            <a:endParaRPr lang="en-US"/>
+            <a:endParaRPr lang="en-US" dirty="0"/>
           </a:p>
         </p:txBody>
       </p:sp>
@@ -1346,7 +1347,7 @@
               <a:rPr lang="en-US" smtClean="0"/>
               <a:t>‹#›</a:t>
             </a:fld>
-            <a:endParaRPr lang="en-US"/>
+            <a:endParaRPr lang="en-US" dirty="0"/>
           </a:p>
         </p:txBody>
       </p:sp>
@@ -1682,7 +1683,7 @@
               <a:rPr lang="en-US" smtClean="0"/>
               <a:t>10/21/2016</a:t>
             </a:fld>
-            <a:endParaRPr lang="en-US"/>
+            <a:endParaRPr lang="en-US" dirty="0"/>
           </a:p>
         </p:txBody>
       </p:sp>
@@ -1701,7 +1702,7 @@
           <a:bodyPr/>
           <a:lstStyle/>
           <a:p>
-            <a:endParaRPr lang="en-US"/>
+            <a:endParaRPr lang="en-US" dirty="0"/>
           </a:p>
         </p:txBody>
       </p:sp>
@@ -1724,7 +1725,7 @@
               <a:rPr lang="en-US" smtClean="0"/>
               <a:t>‹#›</a:t>
             </a:fld>
-            <a:endParaRPr lang="en-US"/>
+            <a:endParaRPr lang="en-US" dirty="0"/>
           </a:p>
         </p:txBody>
       </p:sp>
@@ -1832,7 +1833,7 @@
               <a:rPr lang="en-US" smtClean="0"/>
               <a:t>10/21/2016</a:t>
             </a:fld>
-            <a:endParaRPr lang="en-US"/>
+            <a:endParaRPr lang="en-US" dirty="0"/>
           </a:p>
         </p:txBody>
       </p:sp>
@@ -1851,7 +1852,7 @@
           <a:bodyPr/>
           <a:lstStyle/>
           <a:p>
-            <a:endParaRPr lang="en-US"/>
+            <a:endParaRPr lang="en-US" dirty="0"/>
           </a:p>
         </p:txBody>
       </p:sp>
@@ -1874,7 +1875,7 @@
               <a:rPr lang="en-US" smtClean="0"/>
               <a:t>‹#›</a:t>
             </a:fld>
-            <a:endParaRPr lang="en-US"/>
+            <a:endParaRPr lang="en-US" dirty="0"/>
           </a:p>
         </p:txBody>
       </p:sp>
@@ -1922,7 +1923,7 @@
               <a:rPr lang="en-US" smtClean="0"/>
               <a:t>10/21/2016</a:t>
             </a:fld>
-            <a:endParaRPr lang="en-US"/>
+            <a:endParaRPr lang="en-US" dirty="0"/>
           </a:p>
         </p:txBody>
       </p:sp>
@@ -1941,7 +1942,7 @@
           <a:bodyPr/>
           <a:lstStyle/>
           <a:p>
-            <a:endParaRPr lang="en-US"/>
+            <a:endParaRPr lang="en-US" dirty="0"/>
           </a:p>
         </p:txBody>
       </p:sp>
@@ -1964,7 +1965,7 @@
               <a:rPr lang="en-US" smtClean="0"/>
               <a:t>‹#›</a:t>
             </a:fld>
-            <a:endParaRPr lang="en-US"/>
+            <a:endParaRPr lang="en-US" dirty="0"/>
           </a:p>
         </p:txBody>
       </p:sp>
@@ -2183,7 +2184,7 @@
               <a:rPr lang="en-US" smtClean="0"/>
               <a:t>10/21/2016</a:t>
             </a:fld>
-            <a:endParaRPr lang="en-US"/>
+            <a:endParaRPr lang="en-US" dirty="0"/>
           </a:p>
         </p:txBody>
       </p:sp>
@@ -2202,7 +2203,7 @@
           <a:bodyPr/>
           <a:lstStyle/>
           <a:p>
-            <a:endParaRPr lang="en-US"/>
+            <a:endParaRPr lang="en-US" dirty="0"/>
           </a:p>
         </p:txBody>
       </p:sp>
@@ -2225,7 +2226,7 @@
               <a:rPr lang="en-US" smtClean="0"/>
               <a:t>‹#›</a:t>
             </a:fld>
-            <a:endParaRPr lang="en-US"/>
+            <a:endParaRPr lang="en-US" dirty="0"/>
           </a:p>
         </p:txBody>
       </p:sp>
@@ -2307,7 +2308,7 @@
           <a:lstStyle/>
           <a:p>
             <a:pPr algn="ctr" eaLnBrk="1" latinLnBrk="0" hangingPunct="1"/>
-            <a:endParaRPr kumimoji="0" lang="en-US"/>
+            <a:endParaRPr kumimoji="0" lang="en-US" dirty="0"/>
           </a:p>
         </p:txBody>
       </p:sp>
@@ -2362,7 +2363,7 @@
           <a:lstStyle/>
           <a:p>
             <a:pPr algn="ctr" eaLnBrk="1" latinLnBrk="0" hangingPunct="1"/>
-            <a:endParaRPr kumimoji="0" lang="en-US"/>
+            <a:endParaRPr kumimoji="0" lang="en-US" dirty="0"/>
           </a:p>
         </p:txBody>
       </p:sp>
@@ -2471,7 +2472,7 @@
               <a:rPr lang="en-US" smtClean="0"/>
               <a:t>10/21/2016</a:t>
             </a:fld>
-            <a:endParaRPr lang="en-US"/>
+            <a:endParaRPr lang="en-US" dirty="0"/>
           </a:p>
         </p:txBody>
       </p:sp>
@@ -2490,7 +2491,7 @@
           <a:bodyPr/>
           <a:lstStyle/>
           <a:p>
-            <a:endParaRPr lang="en-US"/>
+            <a:endParaRPr lang="en-US" dirty="0"/>
           </a:p>
         </p:txBody>
       </p:sp>
@@ -2518,7 +2519,7 @@
               <a:rPr lang="en-US" smtClean="0"/>
               <a:t>‹#›</a:t>
             </a:fld>
-            <a:endParaRPr lang="en-US"/>
+            <a:endParaRPr lang="en-US" dirty="0"/>
           </a:p>
         </p:txBody>
       </p:sp>
@@ -2561,7 +2562,7 @@
           </a:lstStyle>
           <a:p>
             <a:r>
-              <a:rPr kumimoji="0" lang="en-US" smtClean="0"/>
+              <a:rPr kumimoji="0" lang="en-US" dirty="0" smtClean="0"/>
               <a:t>Click icon to add picture</a:t>
             </a:r>
             <a:endParaRPr kumimoji="0" lang="en-US" dirty="0"/>
@@ -2700,7 +2701,7 @@
           <a:lstStyle/>
           <a:p>
             <a:pPr marL="0" algn="l" rtl="0" eaLnBrk="1" latinLnBrk="0" hangingPunct="1"/>
-            <a:endParaRPr kumimoji="0" lang="en-US">
+            <a:endParaRPr kumimoji="0" lang="en-US" dirty="0">
               <a:solidFill>
                 <a:schemeClr val="tx1"/>
               </a:solidFill>
@@ -2813,7 +2814,7 @@
           <a:lstStyle/>
           <a:p>
             <a:pPr marL="0" algn="l" rtl="0" eaLnBrk="1" latinLnBrk="0" hangingPunct="1"/>
-            <a:endParaRPr kumimoji="0" lang="en-US">
+            <a:endParaRPr kumimoji="0" lang="en-US" dirty="0">
               <a:solidFill>
                 <a:schemeClr val="tx1"/>
               </a:solidFill>
@@ -2986,7 +2987,7 @@
           <a:lstStyle/>
           <a:p>
             <a:pPr marL="0" algn="l" rtl="0" eaLnBrk="1" latinLnBrk="0" hangingPunct="1"/>
-            <a:endParaRPr kumimoji="0" lang="en-US">
+            <a:endParaRPr kumimoji="0" lang="en-US" dirty="0">
               <a:solidFill>
                 <a:schemeClr val="tx1"/>
               </a:solidFill>
@@ -3099,7 +3100,7 @@
           <a:lstStyle/>
           <a:p>
             <a:pPr marL="0" algn="l" rtl="0" eaLnBrk="1" latinLnBrk="0" hangingPunct="1"/>
-            <a:endParaRPr kumimoji="0" lang="en-US">
+            <a:endParaRPr kumimoji="0" lang="en-US" dirty="0">
               <a:solidFill>
                 <a:schemeClr val="tx1"/>
               </a:solidFill>
@@ -3242,7 +3243,7 @@
               <a:rPr lang="en-US" smtClean="0"/>
               <a:t>10/21/2016</a:t>
             </a:fld>
-            <a:endParaRPr lang="en-US"/>
+            <a:endParaRPr lang="en-US" dirty="0"/>
           </a:p>
         </p:txBody>
       </p:sp>
@@ -3279,7 +3280,7 @@
             </a:lvl1pPr>
           </a:lstStyle>
           <a:p>
-            <a:endParaRPr lang="en-US"/>
+            <a:endParaRPr lang="en-US" dirty="0"/>
           </a:p>
         </p:txBody>
       </p:sp>
@@ -3320,7 +3321,7 @@
               <a:rPr lang="en-US" smtClean="0"/>
               <a:t>‹#›</a:t>
             </a:fld>
-            <a:endParaRPr lang="en-US"/>
+            <a:endParaRPr lang="en-US" dirty="0"/>
           </a:p>
         </p:txBody>
       </p:sp>
@@ -3436,7 +3437,7 @@
             <a:bodyPr vert="horz" wrap="square" lIns="91440" tIns="45720" rIns="91440" bIns="45720" anchor="t" compatLnSpc="1"/>
             <a:lstStyle/>
             <a:p>
-              <a:endParaRPr kumimoji="0" lang="en-US"/>
+              <a:endParaRPr kumimoji="0" lang="en-US" dirty="0"/>
             </a:p>
           </p:txBody>
         </p:sp>
@@ -3533,7 +3534,7 @@
             <a:bodyPr vert="horz" wrap="square" lIns="91440" tIns="45720" rIns="91440" bIns="45720" anchor="t" compatLnSpc="1"/>
             <a:lstStyle/>
             <a:p>
-              <a:endParaRPr kumimoji="0" lang="en-US"/>
+              <a:endParaRPr kumimoji="0" lang="en-US" dirty="0"/>
             </a:p>
           </p:txBody>
         </p:sp>
@@ -6514,6 +6515,177 @@
     <p:extLst>
       <p:ext uri="{BB962C8B-B14F-4D97-AF65-F5344CB8AC3E}">
         <p14:creationId xmlns:p14="http://schemas.microsoft.com/office/powerpoint/2010/main" val="845722301"/>
+      </p:ext>
+    </p:extLst>
+  </p:cSld>
+  <p:clrMapOvr>
+    <a:masterClrMapping/>
+  </p:clrMapOvr>
+  <p:timing>
+    <p:tnLst>
+      <p:par>
+        <p:cTn id="1" dur="indefinite" restart="never" nodeType="tmRoot"/>
+      </p:par>
+    </p:tnLst>
+  </p:timing>
+</p:sld>
+</file>
+
+<file path=ppt/slides/slide13.xml><?xml version="1.0" encoding="utf-8"?>
+<p:sld xmlns:a="http://schemas.openxmlformats.org/drawingml/2006/main" xmlns:r="http://schemas.openxmlformats.org/officeDocument/2006/relationships" xmlns:p="http://schemas.openxmlformats.org/presentationml/2006/main">
+  <p:cSld>
+    <p:spTree>
+      <p:nvGrpSpPr>
+        <p:cNvPr id="1" name=""/>
+        <p:cNvGrpSpPr/>
+        <p:nvPr/>
+      </p:nvGrpSpPr>
+      <p:grpSpPr>
+        <a:xfrm>
+          <a:off x="0" y="0"/>
+          <a:ext cx="0" cy="0"/>
+          <a:chOff x="0" y="0"/>
+          <a:chExt cx="0" cy="0"/>
+        </a:xfrm>
+      </p:grpSpPr>
+      <p:sp>
+        <p:nvSpPr>
+          <p:cNvPr id="2" name="Title 1"/>
+          <p:cNvSpPr>
+            <a:spLocks noGrp="1"/>
+          </p:cNvSpPr>
+          <p:nvPr>
+            <p:ph type="title"/>
+          </p:nvPr>
+        </p:nvSpPr>
+        <p:spPr/>
+        <p:txBody>
+          <a:bodyPr>
+            <a:normAutofit fontScale="90000"/>
+          </a:bodyPr>
+          <a:lstStyle/>
+          <a:p>
+            <a:r>
+              <a:rPr lang="en-US" dirty="0" smtClean="0"/>
+              <a:t>Comparison </a:t>
+            </a:r>
+            <a:r>
+              <a:rPr lang="en-US" smtClean="0"/>
+              <a:t>(along with </a:t>
+            </a:r>
+            <a:r>
+              <a:rPr lang="en-US" dirty="0" smtClean="0"/>
+              <a:t>Proportional Control)</a:t>
+            </a:r>
+            <a:endParaRPr lang="en-US" dirty="0"/>
+          </a:p>
+        </p:txBody>
+      </p:sp>
+      <p:pic>
+        <p:nvPicPr>
+          <p:cNvPr id="8" name="Content Placeholder 7"/>
+          <p:cNvPicPr>
+            <a:picLocks noGrp="1" noChangeAspect="1"/>
+          </p:cNvPicPr>
+          <p:nvPr>
+            <p:ph idx="1"/>
+          </p:nvPr>
+        </p:nvPicPr>
+        <p:blipFill>
+          <a:blip r:embed="rId2">
+            <a:extLst>
+              <a:ext uri="{28A0092B-C50C-407E-A947-70E740481C1C}">
+                <a14:useLocalDpi xmlns:a14="http://schemas.microsoft.com/office/drawing/2010/main" val="0"/>
+              </a:ext>
+            </a:extLst>
+          </a:blip>
+          <a:stretch>
+            <a:fillRect/>
+          </a:stretch>
+        </p:blipFill>
+        <p:spPr>
+          <a:xfrm>
+            <a:off x="853968" y="1981200"/>
+            <a:ext cx="2930322" cy="3733800"/>
+          </a:xfrm>
+        </p:spPr>
+      </p:pic>
+      <p:pic>
+        <p:nvPicPr>
+          <p:cNvPr id="10" name="Picture 9"/>
+          <p:cNvPicPr>
+            <a:picLocks noChangeAspect="1"/>
+          </p:cNvPicPr>
+          <p:nvPr/>
+        </p:nvPicPr>
+        <p:blipFill>
+          <a:blip r:embed="rId3">
+            <a:extLst>
+              <a:ext uri="{28A0092B-C50C-407E-A947-70E740481C1C}">
+                <a14:useLocalDpi xmlns:a14="http://schemas.microsoft.com/office/drawing/2010/main" val="0"/>
+              </a:ext>
+            </a:extLst>
+          </a:blip>
+          <a:stretch>
+            <a:fillRect/>
+          </a:stretch>
+        </p:blipFill>
+        <p:spPr>
+          <a:xfrm>
+            <a:off x="3795486" y="2819400"/>
+            <a:ext cx="4804482" cy="2362200"/>
+          </a:xfrm>
+          <a:prstGeom prst="rect">
+            <a:avLst/>
+          </a:prstGeom>
+          <a:scene3d>
+            <a:camera prst="orthographicFront">
+              <a:rot lat="0" lon="0" rev="0"/>
+            </a:camera>
+            <a:lightRig rig="threePt" dir="t"/>
+          </a:scene3d>
+        </p:spPr>
+      </p:pic>
+      <p:sp>
+        <p:nvSpPr>
+          <p:cNvPr id="11" name="TextBox 10"/>
+          <p:cNvSpPr txBox="1"/>
+          <p:nvPr/>
+        </p:nvSpPr>
+        <p:spPr>
+          <a:xfrm>
+            <a:off x="533400" y="6172200"/>
+            <a:ext cx="6257995" cy="646331"/>
+          </a:xfrm>
+          <a:prstGeom prst="rect">
+            <a:avLst/>
+          </a:prstGeom>
+          <a:noFill/>
+        </p:spPr>
+        <p:txBody>
+          <a:bodyPr wrap="none" rtlCol="0">
+            <a:spAutoFit/>
+          </a:bodyPr>
+          <a:lstStyle/>
+          <a:p>
+            <a:r>
+              <a:rPr lang="en-US" dirty="0" smtClean="0"/>
+              <a:t>Using this Derivative control    Using usual Derivative control</a:t>
+            </a:r>
+          </a:p>
+          <a:p>
+            <a:r>
+              <a:rPr lang="en-US" dirty="0" smtClean="0"/>
+              <a:t>T = 13ms, Semi-consistent	      T = 70ms, Not consistent</a:t>
+            </a:r>
+            <a:endParaRPr lang="en-US" dirty="0"/>
+          </a:p>
+        </p:txBody>
+      </p:sp>
+    </p:spTree>
+    <p:extLst>
+      <p:ext uri="{BB962C8B-B14F-4D97-AF65-F5344CB8AC3E}">
+        <p14:creationId xmlns:p14="http://schemas.microsoft.com/office/powerpoint/2010/main" val="2552923013"/>
       </p:ext>
     </p:extLst>
   </p:cSld>
